--- a/docs/The Fastest API in the Pythonic World.pptx
+++ b/docs/The Fastest API in the Pythonic World.pptx
@@ -9397,10 +9397,10 @@
               <a:buChar char="o"/>
             </a:pPr>
             <a:r>
-              <a:rPr lang="en-US" dirty="0">
+              <a:rPr lang="en-US">
                 <a:hlinkClick r:id="rId3"/>
               </a:rPr>
-              <a:t>Websockets</a:t>
+              <a:t>WebSockets</a:t>
             </a:r>
             <a:endParaRPr lang="en-US" dirty="0">
               <a:hlinkClick r:id="rId2"/>
@@ -12657,21 +12657,21 @@
 </file>
 
 <file path=customXml/item2.xml><?xml version="1.0" encoding="utf-8"?>
+<?mso-contentType ?>
+<FormTemplates xmlns="http://schemas.microsoft.com/sharepoint/v3/contenttype/forms">
+  <Display>DocumentLibraryForm</Display>
+  <Edit>DocumentLibraryForm</Edit>
+  <New>DocumentLibraryForm</New>
+</FormTemplates>
+</file>
+
+<file path=customXml/item3.xml><?xml version="1.0" encoding="utf-8"?>
 <p:properties xmlns:p="http://schemas.microsoft.com/office/2006/metadata/properties" xmlns:xsi="http://www.w3.org/2001/XMLSchema-instance" xmlns:pc="http://schemas.microsoft.com/office/infopath/2007/PartnerControls">
   <documentManagement>
     <Status xmlns="71af3243-3dd4-4a8d-8c0d-dd76da1f02a5">Not started</Status>
     <MediaServiceKeyPoints xmlns="71af3243-3dd4-4a8d-8c0d-dd76da1f02a5" xsi:nil="true"/>
   </documentManagement>
 </p:properties>
-</file>
-
-<file path=customXml/item3.xml><?xml version="1.0" encoding="utf-8"?>
-<?mso-contentType ?>
-<FormTemplates xmlns="http://schemas.microsoft.com/sharepoint/v3/contenttype/forms">
-  <Display>DocumentLibraryForm</Display>
-  <Edit>DocumentLibraryForm</Edit>
-  <New>DocumentLibraryForm</New>
-</FormTemplates>
 </file>
 
 <file path=customXml/itemProps1.xml><?xml version="1.0" encoding="utf-8"?>
@@ -12694,6 +12694,14 @@
 </file>
 
 <file path=customXml/itemProps2.xml><?xml version="1.0" encoding="utf-8"?>
+<ds:datastoreItem xmlns:ds="http://schemas.openxmlformats.org/officeDocument/2006/customXml" ds:itemID="{6A7FA506-1E93-4CA4-B270-1F08FD18C366}">
+  <ds:schemaRefs>
+    <ds:schemaRef ds:uri="http://schemas.microsoft.com/sharepoint/v3/contenttype/forms"/>
+  </ds:schemaRefs>
+</ds:datastoreItem>
+</file>
+
+<file path=customXml/itemProps3.xml><?xml version="1.0" encoding="utf-8"?>
 <ds:datastoreItem xmlns:ds="http://schemas.openxmlformats.org/officeDocument/2006/customXml" ds:itemID="{38F4328E-77DF-41E8-952F-124AE19F1F7C}">
   <ds:schemaRefs>
     <ds:schemaRef ds:uri="http://schemas.microsoft.com/office/2006/metadata/properties"/>
@@ -12701,12 +12709,4 @@
     <ds:schemaRef ds:uri="71af3243-3dd4-4a8d-8c0d-dd76da1f02a5"/>
   </ds:schemaRefs>
 </ds:datastoreItem>
-</file>
-
-<file path=customXml/itemProps3.xml><?xml version="1.0" encoding="utf-8"?>
-<ds:datastoreItem xmlns:ds="http://schemas.openxmlformats.org/officeDocument/2006/customXml" ds:itemID="{6A7FA506-1E93-4CA4-B270-1F08FD18C366}">
-  <ds:schemaRefs>
-    <ds:schemaRef ds:uri="http://schemas.microsoft.com/sharepoint/v3/contenttype/forms"/>
-  </ds:schemaRefs>
-</ds:datastoreItem>
 </file>